--- a/maven/docs/JUnit培训.pptx
+++ b/maven/docs/JUnit培训.pptx
@@ -6,7 +6,7 @@
     <p:sldMasterId id="2147483660" r:id="rId2"/>
   </p:sldMasterIdLst>
   <p:notesMasterIdLst>
-    <p:notesMasterId r:id="rId11"/>
+    <p:notesMasterId r:id="rId21"/>
   </p:notesMasterIdLst>
   <p:sldIdLst>
     <p:sldId id="256" r:id="rId3"/>
@@ -15,8 +15,18 @@
     <p:sldId id="264" r:id="rId6"/>
     <p:sldId id="265" r:id="rId7"/>
     <p:sldId id="266" r:id="rId8"/>
-    <p:sldId id="267" r:id="rId9"/>
-    <p:sldId id="261" r:id="rId10"/>
+    <p:sldId id="268" r:id="rId9"/>
+    <p:sldId id="267" r:id="rId10"/>
+    <p:sldId id="269" r:id="rId11"/>
+    <p:sldId id="274" r:id="rId12"/>
+    <p:sldId id="275" r:id="rId13"/>
+    <p:sldId id="270" r:id="rId14"/>
+    <p:sldId id="277" r:id="rId15"/>
+    <p:sldId id="276" r:id="rId16"/>
+    <p:sldId id="271" r:id="rId17"/>
+    <p:sldId id="272" r:id="rId18"/>
+    <p:sldId id="273" r:id="rId19"/>
+    <p:sldId id="261" r:id="rId20"/>
   </p:sldIdLst>
   <p:sldSz cx="9144000" cy="6858000" type="screen4x3"/>
   <p:notesSz cx="6858000" cy="9144000"/>
@@ -555,7 +565,7 @@
             <a:fld id="{96901A81-0F01-4EEE-B1B8-8AAFCC661EC4}" type="slidenum">
               <a:rPr lang="zh-CN" altLang="en-US" smtClean="0"/>
               <a:pPr/>
-              <a:t>8</a:t>
+              <a:t>18</a:t>
             </a:fld>
             <a:endParaRPr lang="zh-CN" altLang="en-US"/>
           </a:p>
@@ -39710,8 +39720,12 @@
           <a:lstStyle/>
           <a:p>
             <a:r>
-              <a:rPr lang="en-US" altLang="zh-CN" dirty="0" err="1" smtClean="0"/>
-              <a:t>JUnit</a:t>
+              <a:rPr lang="en-US" altLang="zh-CN" dirty="0" smtClean="0"/>
+              <a:t>Junit</a:t>
+            </a:r>
+            <a:r>
+              <a:rPr lang="zh-CN" altLang="en-US" dirty="0" smtClean="0"/>
+              <a:t>测试框架</a:t>
             </a:r>
             <a:endParaRPr lang="zh-CN" altLang="en-US" dirty="0"/>
           </a:p>
@@ -39744,6 +39758,1403 @@
     <p:extLst>
       <p:ext uri="{BB962C8B-B14F-4D97-AF65-F5344CB8AC3E}">
         <p14:creationId xmlns:p14="http://schemas.microsoft.com/office/powerpoint/2010/main" val="2150810646"/>
+      </p:ext>
+    </p:extLst>
+  </p:cSld>
+  <p:clrMapOvr>
+    <a:masterClrMapping/>
+  </p:clrMapOvr>
+  <p:timing>
+    <p:tnLst>
+      <p:par>
+        <p:cTn id="1" dur="indefinite" restart="never" nodeType="tmRoot"/>
+      </p:par>
+    </p:tnLst>
+  </p:timing>
+</p:sld>
+</file>
+
+<file path=ppt/slides/slide10.xml><?xml version="1.0" encoding="utf-8"?>
+<p:sld xmlns:a="http://schemas.openxmlformats.org/drawingml/2006/main" xmlns:r="http://schemas.openxmlformats.org/officeDocument/2006/relationships" xmlns:p="http://schemas.openxmlformats.org/presentationml/2006/main">
+  <p:cSld>
+    <p:spTree>
+      <p:nvGrpSpPr>
+        <p:cNvPr id="1" name=""/>
+        <p:cNvGrpSpPr/>
+        <p:nvPr/>
+      </p:nvGrpSpPr>
+      <p:grpSpPr>
+        <a:xfrm>
+          <a:off x="0" y="0"/>
+          <a:ext cx="0" cy="0"/>
+          <a:chOff x="0" y="0"/>
+          <a:chExt cx="0" cy="0"/>
+        </a:xfrm>
+      </p:grpSpPr>
+      <p:sp>
+        <p:nvSpPr>
+          <p:cNvPr id="2" name="标题 1"/>
+          <p:cNvSpPr>
+            <a:spLocks noGrp="1"/>
+          </p:cNvSpPr>
+          <p:nvPr>
+            <p:ph type="title"/>
+          </p:nvPr>
+        </p:nvSpPr>
+        <p:spPr/>
+        <p:txBody>
+          <a:bodyPr>
+            <a:normAutofit fontScale="90000"/>
+          </a:bodyPr>
+          <a:lstStyle/>
+          <a:p>
+            <a:r>
+              <a:rPr lang="en-US" altLang="zh-CN" dirty="0" err="1" smtClean="0"/>
+              <a:t>Mockito</a:t>
+            </a:r>
+            <a:r>
+              <a:rPr lang="en-US" altLang="zh-CN" dirty="0" smtClean="0"/>
+              <a:t> - </a:t>
+            </a:r>
+            <a:r>
+              <a:rPr lang="zh-CN" altLang="en-US" dirty="0" smtClean="0"/>
+              <a:t>测试模式</a:t>
+            </a:r>
+            <a:endParaRPr lang="zh-CN" altLang="en-US" dirty="0"/>
+          </a:p>
+        </p:txBody>
+      </p:sp>
+      <p:sp>
+        <p:nvSpPr>
+          <p:cNvPr id="3" name="内容占位符 2"/>
+          <p:cNvSpPr>
+            <a:spLocks noGrp="1"/>
+          </p:cNvSpPr>
+          <p:nvPr>
+            <p:ph idx="1"/>
+          </p:nvPr>
+        </p:nvSpPr>
+        <p:spPr/>
+        <p:txBody>
+          <a:bodyPr/>
+          <a:lstStyle/>
+          <a:p>
+            <a:r>
+              <a:rPr lang="en-US" altLang="zh-CN" dirty="0" smtClean="0"/>
+              <a:t>Mock</a:t>
+            </a:r>
+            <a:r>
+              <a:rPr lang="zh-CN" altLang="en-US" dirty="0" smtClean="0"/>
+              <a:t>依赖</a:t>
+            </a:r>
+            <a:endParaRPr lang="en-US" altLang="zh-CN" dirty="0" smtClean="0"/>
+          </a:p>
+          <a:p>
+            <a:r>
+              <a:rPr lang="zh-CN" altLang="en-US" dirty="0" smtClean="0"/>
+              <a:t>执行测试单元</a:t>
+            </a:r>
+            <a:endParaRPr lang="en-US" altLang="zh-CN" dirty="0" smtClean="0"/>
+          </a:p>
+          <a:p>
+            <a:r>
+              <a:rPr lang="zh-CN" altLang="en-US" dirty="0" smtClean="0"/>
+              <a:t>检查代码正确执行</a:t>
+            </a:r>
+            <a:endParaRPr lang="en-US" altLang="zh-CN" dirty="0" smtClean="0"/>
+          </a:p>
+          <a:p>
+            <a:pPr lvl="1"/>
+            <a:r>
+              <a:rPr lang="zh-CN" altLang="en-US" dirty="0" smtClean="0"/>
+              <a:t>方法被调用了</a:t>
+            </a:r>
+            <a:endParaRPr lang="en-US" altLang="zh-CN" dirty="0" smtClean="0"/>
+          </a:p>
+          <a:p>
+            <a:pPr lvl="1"/>
+            <a:r>
+              <a:rPr lang="zh-CN" altLang="en-US" dirty="0" smtClean="0"/>
+              <a:t>方法被调用了特定的次数</a:t>
+            </a:r>
+            <a:endParaRPr lang="en-US" altLang="zh-CN" dirty="0" smtClean="0"/>
+          </a:p>
+          <a:p>
+            <a:pPr lvl="1"/>
+            <a:r>
+              <a:rPr lang="zh-CN" altLang="en-US" dirty="0" smtClean="0"/>
+              <a:t>方法没有被调用</a:t>
+            </a:r>
+            <a:endParaRPr lang="en-US" altLang="zh-CN" dirty="0" smtClean="0"/>
+          </a:p>
+          <a:p>
+            <a:pPr lvl="1"/>
+            <a:r>
+              <a:rPr lang="zh-CN" altLang="en-US" dirty="0" smtClean="0"/>
+              <a:t>方法在特定的时间之内被调用 了</a:t>
+            </a:r>
+            <a:endParaRPr lang="zh-CN" altLang="en-US" dirty="0"/>
+          </a:p>
+        </p:txBody>
+      </p:sp>
+    </p:spTree>
+    <p:extLst>
+      <p:ext uri="{BB962C8B-B14F-4D97-AF65-F5344CB8AC3E}">
+        <p14:creationId xmlns:p14="http://schemas.microsoft.com/office/powerpoint/2010/main" val="3614509316"/>
+      </p:ext>
+    </p:extLst>
+  </p:cSld>
+  <p:clrMapOvr>
+    <a:masterClrMapping/>
+  </p:clrMapOvr>
+  <p:timing>
+    <p:tnLst>
+      <p:par>
+        <p:cTn id="1" dur="indefinite" restart="never" nodeType="tmRoot"/>
+      </p:par>
+    </p:tnLst>
+  </p:timing>
+</p:sld>
+</file>
+
+<file path=ppt/slides/slide11.xml><?xml version="1.0" encoding="utf-8"?>
+<p:sld xmlns:a="http://schemas.openxmlformats.org/drawingml/2006/main" xmlns:r="http://schemas.openxmlformats.org/officeDocument/2006/relationships" xmlns:p="http://schemas.openxmlformats.org/presentationml/2006/main">
+  <p:cSld>
+    <p:spTree>
+      <p:nvGrpSpPr>
+        <p:cNvPr id="1" name=""/>
+        <p:cNvGrpSpPr/>
+        <p:nvPr/>
+      </p:nvGrpSpPr>
+      <p:grpSpPr>
+        <a:xfrm>
+          <a:off x="0" y="0"/>
+          <a:ext cx="0" cy="0"/>
+          <a:chOff x="0" y="0"/>
+          <a:chExt cx="0" cy="0"/>
+        </a:xfrm>
+      </p:grpSpPr>
+      <p:sp>
+        <p:nvSpPr>
+          <p:cNvPr id="2" name="标题 1"/>
+          <p:cNvSpPr>
+            <a:spLocks noGrp="1"/>
+          </p:cNvSpPr>
+          <p:nvPr>
+            <p:ph type="title"/>
+          </p:nvPr>
+        </p:nvSpPr>
+        <p:spPr/>
+        <p:txBody>
+          <a:bodyPr>
+            <a:normAutofit fontScale="90000"/>
+          </a:bodyPr>
+          <a:lstStyle/>
+          <a:p>
+            <a:r>
+              <a:rPr lang="zh-CN" altLang="en-US" dirty="0" smtClean="0"/>
+              <a:t>创建</a:t>
+            </a:r>
+            <a:r>
+              <a:rPr lang="en-US" altLang="zh-CN" dirty="0" smtClean="0"/>
+              <a:t>Mock</a:t>
+            </a:r>
+            <a:r>
+              <a:rPr lang="zh-CN" altLang="en-US" dirty="0" smtClean="0"/>
+              <a:t>对象</a:t>
+            </a:r>
+            <a:endParaRPr lang="zh-CN" altLang="en-US" dirty="0"/>
+          </a:p>
+        </p:txBody>
+      </p:sp>
+      <p:sp>
+        <p:nvSpPr>
+          <p:cNvPr id="3" name="内容占位符 2"/>
+          <p:cNvSpPr>
+            <a:spLocks noGrp="1"/>
+          </p:cNvSpPr>
+          <p:nvPr>
+            <p:ph idx="1"/>
+          </p:nvPr>
+        </p:nvSpPr>
+        <p:spPr/>
+        <p:txBody>
+          <a:bodyPr/>
+          <a:lstStyle/>
+          <a:p>
+            <a:r>
+              <a:rPr lang="en-US" altLang="zh-CN" dirty="0" smtClean="0"/>
+              <a:t>@Mock</a:t>
+            </a:r>
+          </a:p>
+          <a:p>
+            <a:r>
+              <a:rPr lang="en-US" altLang="zh-CN" dirty="0"/>
+              <a:t>@</a:t>
+            </a:r>
+            <a:r>
+              <a:rPr lang="en-US" altLang="zh-CN" dirty="0" err="1" smtClean="0"/>
+              <a:t>InjectMocks</a:t>
+            </a:r>
+            <a:r>
+              <a:rPr lang="zh-CN" altLang="en-US" dirty="0" smtClean="0"/>
+              <a:t> </a:t>
+            </a:r>
+            <a:r>
+              <a:rPr lang="en-US" altLang="zh-CN" dirty="0" smtClean="0"/>
+              <a:t>– </a:t>
+            </a:r>
+            <a:r>
+              <a:rPr lang="zh-CN" altLang="en-US" dirty="0" smtClean="0"/>
+              <a:t>注入</a:t>
+            </a:r>
+            <a:r>
+              <a:rPr lang="en-US" altLang="zh-CN" dirty="0" smtClean="0"/>
+              <a:t>Mocked</a:t>
+            </a:r>
+            <a:r>
+              <a:rPr lang="zh-CN" altLang="en-US" dirty="0" smtClean="0"/>
+              <a:t>的对象</a:t>
+            </a:r>
+            <a:endParaRPr lang="en-US" altLang="zh-CN" dirty="0" smtClean="0"/>
+          </a:p>
+          <a:p>
+            <a:r>
+              <a:rPr lang="en-US" altLang="zh-CN" dirty="0" err="1" smtClean="0"/>
+              <a:t>Mockito</a:t>
+            </a:r>
+            <a:r>
+              <a:rPr lang="en-US" altLang="zh-CN" dirty="0"/>
+              <a:t>. mock</a:t>
+            </a:r>
+            <a:r>
+              <a:rPr lang="en-US" altLang="zh-CN" dirty="0" smtClean="0"/>
+              <a:t>()</a:t>
+            </a:r>
+            <a:r>
+              <a:rPr lang="zh-CN" altLang="en-US" dirty="0" smtClean="0"/>
+              <a:t>方法</a:t>
+            </a:r>
+            <a:endParaRPr lang="zh-CN" altLang="en-US" dirty="0"/>
+          </a:p>
+        </p:txBody>
+      </p:sp>
+    </p:spTree>
+    <p:extLst>
+      <p:ext uri="{BB962C8B-B14F-4D97-AF65-F5344CB8AC3E}">
+        <p14:creationId xmlns:p14="http://schemas.microsoft.com/office/powerpoint/2010/main" val="925648032"/>
+      </p:ext>
+    </p:extLst>
+  </p:cSld>
+  <p:clrMapOvr>
+    <a:masterClrMapping/>
+  </p:clrMapOvr>
+  <p:timing>
+    <p:tnLst>
+      <p:par>
+        <p:cTn id="1" dur="indefinite" restart="never" nodeType="tmRoot"/>
+      </p:par>
+    </p:tnLst>
+  </p:timing>
+</p:sld>
+</file>
+
+<file path=ppt/slides/slide12.xml><?xml version="1.0" encoding="utf-8"?>
+<p:sld xmlns:a="http://schemas.openxmlformats.org/drawingml/2006/main" xmlns:r="http://schemas.openxmlformats.org/officeDocument/2006/relationships" xmlns:p="http://schemas.openxmlformats.org/presentationml/2006/main">
+  <p:cSld>
+    <p:spTree>
+      <p:nvGrpSpPr>
+        <p:cNvPr id="1" name=""/>
+        <p:cNvGrpSpPr/>
+        <p:nvPr/>
+      </p:nvGrpSpPr>
+      <p:grpSpPr>
+        <a:xfrm>
+          <a:off x="0" y="0"/>
+          <a:ext cx="0" cy="0"/>
+          <a:chOff x="0" y="0"/>
+          <a:chExt cx="0" cy="0"/>
+        </a:xfrm>
+      </p:grpSpPr>
+      <p:sp>
+        <p:nvSpPr>
+          <p:cNvPr id="2" name="标题 1"/>
+          <p:cNvSpPr>
+            <a:spLocks noGrp="1"/>
+          </p:cNvSpPr>
+          <p:nvPr>
+            <p:ph type="title"/>
+          </p:nvPr>
+        </p:nvSpPr>
+        <p:spPr/>
+        <p:txBody>
+          <a:bodyPr>
+            <a:normAutofit fontScale="90000"/>
+          </a:bodyPr>
+          <a:lstStyle/>
+          <a:p>
+            <a:r>
+              <a:rPr lang="zh-CN" altLang="en-US" dirty="0" smtClean="0"/>
+              <a:t>配置</a:t>
+            </a:r>
+            <a:r>
+              <a:rPr lang="en-US" altLang="zh-CN" dirty="0" smtClean="0"/>
+              <a:t>Mock</a:t>
+            </a:r>
+            <a:endParaRPr lang="zh-CN" altLang="en-US" dirty="0"/>
+          </a:p>
+        </p:txBody>
+      </p:sp>
+      <p:sp>
+        <p:nvSpPr>
+          <p:cNvPr id="3" name="内容占位符 2"/>
+          <p:cNvSpPr>
+            <a:spLocks noGrp="1"/>
+          </p:cNvSpPr>
+          <p:nvPr>
+            <p:ph idx="1"/>
+          </p:nvPr>
+        </p:nvSpPr>
+        <p:spPr>
+          <a:xfrm>
+            <a:off x="457200" y="1196752"/>
+            <a:ext cx="8229600" cy="4929411"/>
+          </a:xfrm>
+        </p:spPr>
+        <p:txBody>
+          <a:bodyPr>
+            <a:normAutofit/>
+          </a:bodyPr>
+          <a:lstStyle/>
+          <a:p>
+            <a:r>
+              <a:rPr lang="en-US" altLang="zh-CN" dirty="0" smtClean="0"/>
+              <a:t>when(</a:t>
+            </a:r>
+            <a:r>
+              <a:rPr lang="en-US" altLang="zh-CN" dirty="0" err="1" smtClean="0"/>
+              <a:t>methodCall</a:t>
+            </a:r>
+            <a:r>
+              <a:rPr lang="en-US" altLang="zh-CN" dirty="0" smtClean="0"/>
+              <a:t>).</a:t>
+            </a:r>
+            <a:r>
+              <a:rPr lang="en-US" altLang="zh-CN" dirty="0" err="1"/>
+              <a:t>thenReturn</a:t>
+            </a:r>
+            <a:r>
+              <a:rPr lang="en-US" altLang="zh-CN" dirty="0" smtClean="0"/>
+              <a:t>(…)</a:t>
+            </a:r>
+          </a:p>
+          <a:p>
+            <a:pPr marL="0" indent="0">
+              <a:buNone/>
+            </a:pPr>
+            <a:r>
+              <a:rPr lang="en-US" altLang="zh-CN" sz="2400" dirty="0" smtClean="0"/>
+              <a:t>when(</a:t>
+            </a:r>
+            <a:r>
+              <a:rPr lang="en-US" altLang="zh-CN" sz="2400" dirty="0" err="1" smtClean="0"/>
+              <a:t>calcService.add</a:t>
+            </a:r>
+            <a:r>
+              <a:rPr lang="en-US" altLang="zh-CN" sz="2400" dirty="0" smtClean="0"/>
+              <a:t>(10.0,20.0</a:t>
+            </a:r>
+            <a:r>
+              <a:rPr lang="en-US" altLang="zh-CN" sz="2400" dirty="0"/>
+              <a:t>)).</a:t>
+            </a:r>
+            <a:r>
+              <a:rPr lang="en-US" altLang="zh-CN" sz="2400" dirty="0" err="1"/>
+              <a:t>thenReturn</a:t>
+            </a:r>
+            <a:r>
+              <a:rPr lang="en-US" altLang="zh-CN" sz="2400" dirty="0"/>
+              <a:t>(30.00</a:t>
+            </a:r>
+            <a:r>
+              <a:rPr lang="en-US" altLang="zh-CN" sz="2400" dirty="0" smtClean="0"/>
+              <a:t>);</a:t>
+            </a:r>
+          </a:p>
+          <a:p>
+            <a:pPr marL="0" indent="0">
+              <a:buNone/>
+            </a:pPr>
+            <a:endParaRPr lang="en-US" altLang="zh-CN" sz="2400" dirty="0" smtClean="0"/>
+          </a:p>
+          <a:p>
+            <a:r>
+              <a:rPr lang="en-US" altLang="zh-CN" dirty="0" smtClean="0"/>
+              <a:t>when(</a:t>
+            </a:r>
+            <a:r>
+              <a:rPr lang="en-US" altLang="zh-CN" dirty="0" err="1" smtClean="0"/>
+              <a:t>methodCall</a:t>
+            </a:r>
+            <a:r>
+              <a:rPr lang="en-US" altLang="zh-CN" dirty="0" smtClean="0"/>
+              <a:t>).</a:t>
+            </a:r>
+            <a:r>
+              <a:rPr lang="en-US" altLang="zh-CN" dirty="0" err="1" smtClean="0"/>
+              <a:t>thenThrow</a:t>
+            </a:r>
+            <a:r>
+              <a:rPr lang="en-US" altLang="zh-CN" dirty="0" smtClean="0"/>
+              <a:t>(…)</a:t>
+            </a:r>
+          </a:p>
+          <a:p>
+            <a:pPr marL="0" indent="0">
+              <a:buNone/>
+            </a:pPr>
+            <a:r>
+              <a:rPr lang="en-US" altLang="zh-CN" dirty="0"/>
+              <a:t>when(</a:t>
+            </a:r>
+            <a:r>
+              <a:rPr lang="en-US" altLang="zh-CN" dirty="0" err="1"/>
+              <a:t>properties.get</a:t>
+            </a:r>
+            <a:r>
+              <a:rPr lang="en-US" altLang="zh-CN" dirty="0"/>
+              <a:t>(”</a:t>
+            </a:r>
+            <a:r>
+              <a:rPr lang="en-US" altLang="zh-CN" dirty="0" err="1"/>
+              <a:t>Anddroid</a:t>
+            </a:r>
+            <a:r>
+              <a:rPr lang="en-US" altLang="zh-CN" dirty="0"/>
+              <a:t>”)).</a:t>
+            </a:r>
+            <a:r>
+              <a:rPr lang="en-US" altLang="zh-CN" dirty="0" err="1"/>
+              <a:t>thenThrow</a:t>
+            </a:r>
+            <a:r>
+              <a:rPr lang="en-US" altLang="zh-CN" dirty="0"/>
+              <a:t>(new </a:t>
+            </a:r>
+            <a:r>
+              <a:rPr lang="en-US" altLang="zh-CN" dirty="0" err="1"/>
+              <a:t>IllegalArgumentException</a:t>
+            </a:r>
+            <a:r>
+              <a:rPr lang="en-US" altLang="zh-CN" dirty="0"/>
+              <a:t>("</a:t>
+            </a:r>
+            <a:r>
+              <a:rPr lang="en-US" altLang="zh-CN" dirty="0" err="1"/>
+              <a:t>haha</a:t>
+            </a:r>
+            <a:r>
+              <a:rPr lang="en-US" altLang="zh-CN" dirty="0"/>
+              <a:t>"));</a:t>
+            </a:r>
+          </a:p>
+          <a:p>
+            <a:pPr marL="0" indent="0">
+              <a:buNone/>
+            </a:pPr>
+            <a:endParaRPr lang="zh-CN" altLang="en-US" dirty="0"/>
+          </a:p>
+        </p:txBody>
+      </p:sp>
+    </p:spTree>
+    <p:extLst>
+      <p:ext uri="{BB962C8B-B14F-4D97-AF65-F5344CB8AC3E}">
+        <p14:creationId xmlns:p14="http://schemas.microsoft.com/office/powerpoint/2010/main" val="3518947595"/>
+      </p:ext>
+    </p:extLst>
+  </p:cSld>
+  <p:clrMapOvr>
+    <a:masterClrMapping/>
+  </p:clrMapOvr>
+  <p:timing>
+    <p:tnLst>
+      <p:par>
+        <p:cTn id="1" dur="indefinite" restart="never" nodeType="tmRoot"/>
+      </p:par>
+    </p:tnLst>
+  </p:timing>
+</p:sld>
+</file>
+
+<file path=ppt/slides/slide13.xml><?xml version="1.0" encoding="utf-8"?>
+<p:sld xmlns:a="http://schemas.openxmlformats.org/drawingml/2006/main" xmlns:r="http://schemas.openxmlformats.org/officeDocument/2006/relationships" xmlns:p="http://schemas.openxmlformats.org/presentationml/2006/main">
+  <p:cSld>
+    <p:spTree>
+      <p:nvGrpSpPr>
+        <p:cNvPr id="1" name=""/>
+        <p:cNvGrpSpPr/>
+        <p:nvPr/>
+      </p:nvGrpSpPr>
+      <p:grpSpPr>
+        <a:xfrm>
+          <a:off x="0" y="0"/>
+          <a:ext cx="0" cy="0"/>
+          <a:chOff x="0" y="0"/>
+          <a:chExt cx="0" cy="0"/>
+        </a:xfrm>
+      </p:grpSpPr>
+      <p:sp>
+        <p:nvSpPr>
+          <p:cNvPr id="2" name="标题 1"/>
+          <p:cNvSpPr>
+            <a:spLocks noGrp="1"/>
+          </p:cNvSpPr>
+          <p:nvPr>
+            <p:ph type="title"/>
+          </p:nvPr>
+        </p:nvSpPr>
+        <p:spPr/>
+        <p:txBody>
+          <a:bodyPr>
+            <a:normAutofit fontScale="90000"/>
+          </a:bodyPr>
+          <a:lstStyle/>
+          <a:p>
+            <a:r>
+              <a:rPr lang="zh-CN" altLang="en-US" dirty="0"/>
+              <a:t>配置</a:t>
+            </a:r>
+            <a:r>
+              <a:rPr lang="en-US" altLang="zh-CN" dirty="0"/>
+              <a:t>Mock</a:t>
+            </a:r>
+            <a:endParaRPr lang="zh-CN" altLang="en-US" dirty="0"/>
+          </a:p>
+        </p:txBody>
+      </p:sp>
+      <p:sp>
+        <p:nvSpPr>
+          <p:cNvPr id="3" name="内容占位符 2"/>
+          <p:cNvSpPr>
+            <a:spLocks noGrp="1"/>
+          </p:cNvSpPr>
+          <p:nvPr>
+            <p:ph idx="1"/>
+          </p:nvPr>
+        </p:nvSpPr>
+        <p:spPr/>
+        <p:txBody>
+          <a:bodyPr/>
+          <a:lstStyle/>
+          <a:p>
+            <a:r>
+              <a:rPr lang="en-US" altLang="zh-CN" dirty="0" err="1"/>
+              <a:t>doReturn</a:t>
+            </a:r>
+            <a:r>
+              <a:rPr lang="en-US" altLang="zh-CN" dirty="0"/>
+              <a:t>(…​).when(…​).</a:t>
+            </a:r>
+            <a:r>
+              <a:rPr lang="en-US" altLang="zh-CN" dirty="0" err="1" smtClean="0"/>
+              <a:t>methodCall</a:t>
+            </a:r>
+            <a:endParaRPr lang="en-US" altLang="zh-CN" dirty="0" smtClean="0"/>
+          </a:p>
+          <a:p>
+            <a:pPr marL="0" indent="0">
+              <a:buNone/>
+            </a:pPr>
+            <a:r>
+              <a:rPr lang="en-US" altLang="zh-CN" sz="2000" dirty="0" err="1" smtClean="0"/>
+              <a:t>doReturn</a:t>
+            </a:r>
+            <a:r>
+              <a:rPr lang="en-US" altLang="zh-CN" sz="2000" dirty="0"/>
+              <a:t>(30.00</a:t>
+            </a:r>
+            <a:r>
+              <a:rPr lang="en-US" altLang="zh-CN" sz="2000" dirty="0" smtClean="0"/>
+              <a:t>).when(</a:t>
+            </a:r>
+            <a:r>
+              <a:rPr lang="en-US" altLang="zh-CN" sz="2000" dirty="0" err="1"/>
+              <a:t>calcService</a:t>
+            </a:r>
+            <a:r>
+              <a:rPr lang="en-US" altLang="zh-CN" sz="2000" dirty="0" smtClean="0"/>
+              <a:t>).add(10.0,20.0</a:t>
+            </a:r>
+            <a:r>
+              <a:rPr lang="en-US" altLang="zh-CN" sz="2000" dirty="0"/>
+              <a:t>)</a:t>
+            </a:r>
+            <a:r>
+              <a:rPr lang="en-US" altLang="zh-CN" sz="2000" dirty="0" smtClean="0"/>
+              <a:t>;</a:t>
+            </a:r>
+          </a:p>
+          <a:p>
+            <a:pPr marL="0" indent="0">
+              <a:buNone/>
+            </a:pPr>
+            <a:endParaRPr lang="en-US" altLang="zh-CN" dirty="0"/>
+          </a:p>
+          <a:p>
+            <a:r>
+              <a:rPr lang="en-US" altLang="zh-CN" dirty="0" err="1" smtClean="0"/>
+              <a:t>doThrow</a:t>
+            </a:r>
+            <a:r>
+              <a:rPr lang="en-US" altLang="zh-CN" dirty="0"/>
+              <a:t>(...).when(...).</a:t>
+            </a:r>
+            <a:r>
+              <a:rPr lang="en-US" altLang="zh-CN" dirty="0" err="1" smtClean="0"/>
+              <a:t>methodCall</a:t>
+            </a:r>
+            <a:endParaRPr lang="en-US" altLang="zh-CN" dirty="0" smtClean="0"/>
+          </a:p>
+          <a:p>
+            <a:pPr marL="0" indent="0">
+              <a:buNone/>
+            </a:pPr>
+            <a:r>
+              <a:rPr lang="en-US" altLang="zh-CN" sz="2400" dirty="0" err="1"/>
+              <a:t>doThrow</a:t>
+            </a:r>
+            <a:r>
+              <a:rPr lang="en-US" altLang="zh-CN" sz="2400" dirty="0"/>
+              <a:t>(new </a:t>
+            </a:r>
+            <a:r>
+              <a:rPr lang="en-US" altLang="zh-CN" sz="2400" dirty="0" err="1"/>
+              <a:t>RuntimeException</a:t>
+            </a:r>
+            <a:r>
+              <a:rPr lang="en-US" altLang="zh-CN" sz="2400" dirty="0"/>
+              <a:t>("Add operation not implemented")).when(</a:t>
+            </a:r>
+            <a:r>
+              <a:rPr lang="en-US" altLang="zh-CN" sz="2400" dirty="0" err="1"/>
+              <a:t>calcService</a:t>
+            </a:r>
+            <a:r>
+              <a:rPr lang="en-US" altLang="zh-CN" sz="2400" dirty="0"/>
+              <a:t>).add(10.0, 20.0);</a:t>
+            </a:r>
+            <a:endParaRPr lang="zh-CN" altLang="en-US" sz="2400" dirty="0"/>
+          </a:p>
+        </p:txBody>
+      </p:sp>
+    </p:spTree>
+    <p:extLst>
+      <p:ext uri="{BB962C8B-B14F-4D97-AF65-F5344CB8AC3E}">
+        <p14:creationId xmlns:p14="http://schemas.microsoft.com/office/powerpoint/2010/main" val="2162126483"/>
+      </p:ext>
+    </p:extLst>
+  </p:cSld>
+  <p:clrMapOvr>
+    <a:masterClrMapping/>
+  </p:clrMapOvr>
+  <p:timing>
+    <p:tnLst>
+      <p:par>
+        <p:cTn id="1" dur="indefinite" restart="never" nodeType="tmRoot"/>
+      </p:par>
+    </p:tnLst>
+  </p:timing>
+</p:sld>
+</file>
+
+<file path=ppt/slides/slide14.xml><?xml version="1.0" encoding="utf-8"?>
+<p:sld xmlns:a="http://schemas.openxmlformats.org/drawingml/2006/main" xmlns:r="http://schemas.openxmlformats.org/officeDocument/2006/relationships" xmlns:p="http://schemas.openxmlformats.org/presentationml/2006/main">
+  <p:cSld>
+    <p:spTree>
+      <p:nvGrpSpPr>
+        <p:cNvPr id="1" name=""/>
+        <p:cNvGrpSpPr/>
+        <p:nvPr/>
+      </p:nvGrpSpPr>
+      <p:grpSpPr>
+        <a:xfrm>
+          <a:off x="0" y="0"/>
+          <a:ext cx="0" cy="0"/>
+          <a:chOff x="0" y="0"/>
+          <a:chExt cx="0" cy="0"/>
+        </a:xfrm>
+      </p:grpSpPr>
+      <p:sp>
+        <p:nvSpPr>
+          <p:cNvPr id="2" name="标题 1"/>
+          <p:cNvSpPr>
+            <a:spLocks noGrp="1"/>
+          </p:cNvSpPr>
+          <p:nvPr>
+            <p:ph type="title"/>
+          </p:nvPr>
+        </p:nvSpPr>
+        <p:spPr/>
+        <p:txBody>
+          <a:bodyPr>
+            <a:normAutofit fontScale="90000"/>
+          </a:bodyPr>
+          <a:lstStyle/>
+          <a:p>
+            <a:r>
+              <a:rPr lang="zh-CN" altLang="en-US" dirty="0" smtClean="0"/>
+              <a:t>检验行为</a:t>
+            </a:r>
+            <a:endParaRPr lang="zh-CN" altLang="en-US" dirty="0"/>
+          </a:p>
+        </p:txBody>
+      </p:sp>
+      <p:sp>
+        <p:nvSpPr>
+          <p:cNvPr id="3" name="内容占位符 2"/>
+          <p:cNvSpPr>
+            <a:spLocks noGrp="1"/>
+          </p:cNvSpPr>
+          <p:nvPr>
+            <p:ph idx="1"/>
+          </p:nvPr>
+        </p:nvSpPr>
+        <p:spPr/>
+        <p:txBody>
+          <a:bodyPr/>
+          <a:lstStyle/>
+          <a:p>
+            <a:r>
+              <a:rPr lang="zh-CN" altLang="en-US" sz="2800" dirty="0"/>
+              <a:t>验证</a:t>
+            </a:r>
+            <a:r>
+              <a:rPr lang="en-US" altLang="zh-CN" sz="2800" dirty="0" smtClean="0"/>
+              <a:t>add</a:t>
+            </a:r>
+            <a:r>
+              <a:rPr lang="zh-CN" altLang="en-US" sz="2800" dirty="0"/>
+              <a:t>的</a:t>
+            </a:r>
+            <a:r>
+              <a:rPr lang="zh-CN" altLang="en-US" sz="2800" dirty="0" smtClean="0"/>
+              <a:t>功能执行正确</a:t>
+            </a:r>
+            <a:endParaRPr lang="en-US" altLang="zh-CN" sz="2800" dirty="0"/>
+          </a:p>
+          <a:p>
+            <a:pPr marL="0" indent="0">
+              <a:buNone/>
+            </a:pPr>
+            <a:r>
+              <a:rPr lang="en-US" altLang="zh-CN" sz="2600" dirty="0" err="1"/>
+              <a:t>Assert.assertEquals</a:t>
+            </a:r>
+            <a:r>
+              <a:rPr lang="en-US" altLang="zh-CN" sz="2600" dirty="0"/>
+              <a:t>(</a:t>
+            </a:r>
+            <a:r>
+              <a:rPr lang="en-US" altLang="zh-CN" sz="2600" dirty="0" err="1"/>
+              <a:t>mathApplication.add</a:t>
+            </a:r>
+            <a:r>
+              <a:rPr lang="en-US" altLang="zh-CN" sz="2600" dirty="0"/>
+              <a:t>(10.0, 20.0),30.0,0</a:t>
+            </a:r>
+            <a:r>
+              <a:rPr lang="en-US" altLang="zh-CN" sz="2600" dirty="0" smtClean="0"/>
+              <a:t>);</a:t>
+            </a:r>
+          </a:p>
+          <a:p>
+            <a:pPr marL="0" indent="0">
+              <a:buNone/>
+            </a:pPr>
+            <a:endParaRPr lang="en-US" altLang="zh-CN" sz="2600" dirty="0"/>
+          </a:p>
+          <a:p>
+            <a:r>
+              <a:rPr lang="zh-CN" altLang="en-US" sz="2800" dirty="0" smtClean="0"/>
+              <a:t>验证是否</a:t>
+            </a:r>
+            <a:r>
+              <a:rPr lang="zh-CN" altLang="en-US" sz="2800" dirty="0"/>
+              <a:t>一个功能使用特定的参数被调用了</a:t>
+            </a:r>
+            <a:endParaRPr lang="en-US" altLang="zh-CN" sz="2800" dirty="0"/>
+          </a:p>
+          <a:p>
+            <a:pPr marL="0" indent="0">
+              <a:buNone/>
+            </a:pPr>
+            <a:r>
+              <a:rPr lang="en-US" altLang="zh-CN" sz="2600" dirty="0"/>
+              <a:t>verify(</a:t>
+            </a:r>
+            <a:r>
+              <a:rPr lang="en-US" altLang="zh-CN" sz="2600" dirty="0" err="1"/>
+              <a:t>calcService</a:t>
+            </a:r>
+            <a:r>
+              <a:rPr lang="en-US" altLang="zh-CN" sz="2600" dirty="0"/>
+              <a:t>).add(10.0, 20.0);</a:t>
+            </a:r>
+          </a:p>
+          <a:p>
+            <a:r>
+              <a:rPr lang="zh-CN" altLang="en-US" dirty="0" smtClean="0"/>
+              <a:t>验证只调用了特定的次数</a:t>
+            </a:r>
+            <a:endParaRPr lang="en-US" altLang="zh-CN" dirty="0" smtClean="0"/>
+          </a:p>
+          <a:p>
+            <a:pPr marL="0" indent="0">
+              <a:buNone/>
+            </a:pPr>
+            <a:r>
+              <a:rPr lang="en-US" altLang="zh-CN" sz="2600" dirty="0"/>
+              <a:t>verify(</a:t>
+            </a:r>
+            <a:r>
+              <a:rPr lang="en-US" altLang="zh-CN" sz="2600" dirty="0" err="1"/>
+              <a:t>calcService</a:t>
+            </a:r>
+            <a:r>
+              <a:rPr lang="en-US" altLang="zh-CN" sz="2600" dirty="0"/>
+              <a:t>, times(1)).add(10.0, 20.0</a:t>
+            </a:r>
+            <a:r>
+              <a:rPr lang="en-US" altLang="zh-CN" sz="2600" dirty="0" smtClean="0"/>
+              <a:t>);</a:t>
+            </a:r>
+          </a:p>
+          <a:p>
+            <a:pPr marL="0" indent="0">
+              <a:buNone/>
+            </a:pPr>
+            <a:endParaRPr lang="zh-CN" altLang="en-US" dirty="0"/>
+          </a:p>
+        </p:txBody>
+      </p:sp>
+    </p:spTree>
+    <p:extLst>
+      <p:ext uri="{BB962C8B-B14F-4D97-AF65-F5344CB8AC3E}">
+        <p14:creationId xmlns:p14="http://schemas.microsoft.com/office/powerpoint/2010/main" val="3656724178"/>
+      </p:ext>
+    </p:extLst>
+  </p:cSld>
+  <p:clrMapOvr>
+    <a:masterClrMapping/>
+  </p:clrMapOvr>
+  <p:timing>
+    <p:tnLst>
+      <p:par>
+        <p:cTn id="1" dur="indefinite" restart="never" nodeType="tmRoot"/>
+      </p:par>
+    </p:tnLst>
+  </p:timing>
+</p:sld>
+</file>
+
+<file path=ppt/slides/slide15.xml><?xml version="1.0" encoding="utf-8"?>
+<p:sld xmlns:a="http://schemas.openxmlformats.org/drawingml/2006/main" xmlns:r="http://schemas.openxmlformats.org/officeDocument/2006/relationships" xmlns:p="http://schemas.openxmlformats.org/presentationml/2006/main">
+  <p:cSld>
+    <p:spTree>
+      <p:nvGrpSpPr>
+        <p:cNvPr id="1" name=""/>
+        <p:cNvGrpSpPr/>
+        <p:nvPr/>
+      </p:nvGrpSpPr>
+      <p:grpSpPr>
+        <a:xfrm>
+          <a:off x="0" y="0"/>
+          <a:ext cx="0" cy="0"/>
+          <a:chOff x="0" y="0"/>
+          <a:chExt cx="0" cy="0"/>
+        </a:xfrm>
+      </p:grpSpPr>
+      <p:sp>
+        <p:nvSpPr>
+          <p:cNvPr id="2" name="标题 1"/>
+          <p:cNvSpPr>
+            <a:spLocks noGrp="1"/>
+          </p:cNvSpPr>
+          <p:nvPr>
+            <p:ph type="title"/>
+          </p:nvPr>
+        </p:nvSpPr>
+        <p:spPr/>
+        <p:txBody>
+          <a:bodyPr>
+            <a:normAutofit fontScale="90000"/>
+          </a:bodyPr>
+          <a:lstStyle/>
+          <a:p>
+            <a:r>
+              <a:rPr lang="zh-CN" altLang="en-US" dirty="0" smtClean="0"/>
+              <a:t>异常处理</a:t>
+            </a:r>
+            <a:endParaRPr lang="zh-CN" altLang="en-US" dirty="0"/>
+          </a:p>
+        </p:txBody>
+      </p:sp>
+      <p:sp>
+        <p:nvSpPr>
+          <p:cNvPr id="3" name="内容占位符 2"/>
+          <p:cNvSpPr>
+            <a:spLocks noGrp="1"/>
+          </p:cNvSpPr>
+          <p:nvPr>
+            <p:ph idx="1"/>
+          </p:nvPr>
+        </p:nvSpPr>
+        <p:spPr/>
+        <p:txBody>
+          <a:bodyPr/>
+          <a:lstStyle/>
+          <a:p>
+            <a:pPr marL="0" indent="0">
+              <a:buNone/>
+            </a:pPr>
+            <a:r>
+              <a:rPr lang="en-US" altLang="zh-CN" sz="2600" dirty="0" err="1"/>
+              <a:t>doThrow</a:t>
+            </a:r>
+            <a:r>
+              <a:rPr lang="en-US" altLang="zh-CN" sz="2600" dirty="0"/>
+              <a:t>(new </a:t>
+            </a:r>
+            <a:r>
+              <a:rPr lang="en-US" altLang="zh-CN" sz="2600" dirty="0" err="1"/>
+              <a:t>RuntimeException</a:t>
+            </a:r>
+            <a:r>
+              <a:rPr lang="en-US" altLang="zh-CN" sz="2600" dirty="0"/>
+              <a:t>("Add operation not implemented")).when(</a:t>
+            </a:r>
+            <a:r>
+              <a:rPr lang="en-US" altLang="zh-CN" sz="2600" dirty="0" err="1"/>
+              <a:t>calcService</a:t>
+            </a:r>
+            <a:r>
+              <a:rPr lang="en-US" altLang="zh-CN" sz="2600" dirty="0"/>
+              <a:t>).add(10.0, 20.0</a:t>
+            </a:r>
+            <a:r>
+              <a:rPr lang="en-US" altLang="zh-CN" sz="2600" dirty="0" smtClean="0"/>
+              <a:t>);</a:t>
+            </a:r>
+          </a:p>
+          <a:p>
+            <a:pPr marL="0" indent="0">
+              <a:buNone/>
+            </a:pPr>
+            <a:endParaRPr lang="zh-CN" altLang="en-US" dirty="0"/>
+          </a:p>
+        </p:txBody>
+      </p:sp>
+    </p:spTree>
+    <p:extLst>
+      <p:ext uri="{BB962C8B-B14F-4D97-AF65-F5344CB8AC3E}">
+        <p14:creationId xmlns:p14="http://schemas.microsoft.com/office/powerpoint/2010/main" val="3566029209"/>
+      </p:ext>
+    </p:extLst>
+  </p:cSld>
+  <p:clrMapOvr>
+    <a:masterClrMapping/>
+  </p:clrMapOvr>
+  <p:timing>
+    <p:tnLst>
+      <p:par>
+        <p:cTn id="1" dur="indefinite" restart="never" nodeType="tmRoot"/>
+      </p:par>
+    </p:tnLst>
+  </p:timing>
+</p:sld>
+</file>
+
+<file path=ppt/slides/slide16.xml><?xml version="1.0" encoding="utf-8"?>
+<p:sld xmlns:a="http://schemas.openxmlformats.org/drawingml/2006/main" xmlns:r="http://schemas.openxmlformats.org/officeDocument/2006/relationships" xmlns:p="http://schemas.openxmlformats.org/presentationml/2006/main">
+  <p:cSld>
+    <p:spTree>
+      <p:nvGrpSpPr>
+        <p:cNvPr id="1" name=""/>
+        <p:cNvGrpSpPr/>
+        <p:nvPr/>
+      </p:nvGrpSpPr>
+      <p:grpSpPr>
+        <a:xfrm>
+          <a:off x="0" y="0"/>
+          <a:ext cx="0" cy="0"/>
+          <a:chOff x="0" y="0"/>
+          <a:chExt cx="0" cy="0"/>
+        </a:xfrm>
+      </p:grpSpPr>
+      <p:sp>
+        <p:nvSpPr>
+          <p:cNvPr id="2" name="标题 1"/>
+          <p:cNvSpPr>
+            <a:spLocks noGrp="1"/>
+          </p:cNvSpPr>
+          <p:nvPr>
+            <p:ph type="title"/>
+          </p:nvPr>
+        </p:nvSpPr>
+        <p:spPr/>
+        <p:txBody>
+          <a:bodyPr>
+            <a:normAutofit fontScale="90000"/>
+          </a:bodyPr>
+          <a:lstStyle/>
+          <a:p>
+            <a:r>
+              <a:rPr lang="zh-CN" altLang="en-US" dirty="0" smtClean="0"/>
+              <a:t>创建</a:t>
+            </a:r>
+            <a:r>
+              <a:rPr lang="en-US" altLang="zh-CN" dirty="0" smtClean="0"/>
+              <a:t>Mock</a:t>
+            </a:r>
+            <a:endParaRPr lang="zh-CN" altLang="en-US" dirty="0"/>
+          </a:p>
+        </p:txBody>
+      </p:sp>
+      <p:sp>
+        <p:nvSpPr>
+          <p:cNvPr id="3" name="内容占位符 2"/>
+          <p:cNvSpPr>
+            <a:spLocks noGrp="1"/>
+          </p:cNvSpPr>
+          <p:nvPr>
+            <p:ph idx="1"/>
+          </p:nvPr>
+        </p:nvSpPr>
+        <p:spPr/>
+        <p:txBody>
+          <a:bodyPr/>
+          <a:lstStyle/>
+          <a:p>
+            <a:r>
+              <a:rPr lang="en-US" altLang="zh-CN" dirty="0"/>
+              <a:t>mock</a:t>
+            </a:r>
+            <a:r>
+              <a:rPr lang="zh-CN" altLang="en-US" dirty="0"/>
+              <a:t>接口</a:t>
+            </a:r>
+            <a:endParaRPr lang="en-US" altLang="zh-CN" dirty="0" smtClean="0"/>
+          </a:p>
+          <a:p>
+            <a:pPr marL="0" indent="0">
+              <a:buNone/>
+            </a:pPr>
+            <a:r>
+              <a:rPr lang="en-US" altLang="zh-CN" dirty="0" err="1" smtClean="0"/>
+              <a:t>calcService</a:t>
+            </a:r>
+            <a:r>
+              <a:rPr lang="en-US" altLang="zh-CN" dirty="0" smtClean="0"/>
+              <a:t> </a:t>
+            </a:r>
+            <a:r>
+              <a:rPr lang="en-US" altLang="zh-CN" dirty="0"/>
+              <a:t>=</a:t>
+            </a:r>
+            <a:r>
+              <a:rPr lang="en-US" altLang="zh-CN" dirty="0"/>
+              <a:t> mock</a:t>
+            </a:r>
+            <a:r>
+              <a:rPr lang="en-US" altLang="zh-CN" dirty="0"/>
+              <a:t>(</a:t>
+            </a:r>
+            <a:r>
+              <a:rPr lang="en-US" altLang="zh-CN" dirty="0" err="1"/>
+              <a:t>CalculatorService.class</a:t>
+            </a:r>
+            <a:r>
+              <a:rPr lang="en-US" altLang="zh-CN" dirty="0" smtClean="0"/>
+              <a:t>);</a:t>
+            </a:r>
+          </a:p>
+          <a:p>
+            <a:pPr marL="0" indent="0">
+              <a:buNone/>
+            </a:pPr>
+            <a:endParaRPr lang="en-US" altLang="zh-CN" dirty="0" smtClean="0"/>
+          </a:p>
+          <a:p>
+            <a:r>
+              <a:rPr lang="en-US" altLang="zh-CN" dirty="0" smtClean="0"/>
+              <a:t>mock</a:t>
+            </a:r>
+            <a:r>
+              <a:rPr lang="zh-CN" altLang="en-US" dirty="0" smtClean="0"/>
+              <a:t>类</a:t>
+            </a:r>
+            <a:endParaRPr lang="en-US" altLang="zh-CN" dirty="0" smtClean="0"/>
+          </a:p>
+          <a:p>
+            <a:pPr marL="0" indent="0">
+              <a:buNone/>
+            </a:pPr>
+            <a:r>
+              <a:rPr lang="en-US" altLang="zh-CN" dirty="0" err="1"/>
+              <a:t>LinkedList</a:t>
+            </a:r>
+            <a:r>
+              <a:rPr lang="en-US" altLang="zh-CN" dirty="0"/>
+              <a:t> </a:t>
+            </a:r>
+            <a:r>
+              <a:rPr lang="en-US" altLang="zh-CN" dirty="0" err="1"/>
+              <a:t>mockedList</a:t>
+            </a:r>
+            <a:r>
+              <a:rPr lang="en-US" altLang="zh-CN" dirty="0"/>
+              <a:t> = mock(</a:t>
+            </a:r>
+            <a:r>
+              <a:rPr lang="en-US" altLang="zh-CN" dirty="0" err="1"/>
+              <a:t>LinkedList.class</a:t>
+            </a:r>
+            <a:r>
+              <a:rPr lang="en-US" altLang="zh-CN" dirty="0"/>
+              <a:t>);</a:t>
+            </a:r>
+          </a:p>
+          <a:p>
+            <a:pPr marL="0" indent="0">
+              <a:buNone/>
+            </a:pPr>
+            <a:endParaRPr lang="en-US" altLang="zh-CN" dirty="0" smtClean="0"/>
+          </a:p>
+        </p:txBody>
+      </p:sp>
+    </p:spTree>
+    <p:extLst>
+      <p:ext uri="{BB962C8B-B14F-4D97-AF65-F5344CB8AC3E}">
+        <p14:creationId xmlns:p14="http://schemas.microsoft.com/office/powerpoint/2010/main" val="1232609324"/>
+      </p:ext>
+    </p:extLst>
+  </p:cSld>
+  <p:clrMapOvr>
+    <a:masterClrMapping/>
+  </p:clrMapOvr>
+  <p:timing>
+    <p:tnLst>
+      <p:par>
+        <p:cTn id="1" dur="indefinite" restart="never" nodeType="tmRoot"/>
+      </p:par>
+    </p:tnLst>
+  </p:timing>
+</p:sld>
+</file>
+
+<file path=ppt/slides/slide17.xml><?xml version="1.0" encoding="utf-8"?>
+<p:sld xmlns:a="http://schemas.openxmlformats.org/drawingml/2006/main" xmlns:r="http://schemas.openxmlformats.org/officeDocument/2006/relationships" xmlns:p="http://schemas.openxmlformats.org/presentationml/2006/main">
+  <p:cSld>
+    <p:spTree>
+      <p:nvGrpSpPr>
+        <p:cNvPr id="1" name=""/>
+        <p:cNvGrpSpPr/>
+        <p:nvPr/>
+      </p:nvGrpSpPr>
+      <p:grpSpPr>
+        <a:xfrm>
+          <a:off x="0" y="0"/>
+          <a:ext cx="0" cy="0"/>
+          <a:chOff x="0" y="0"/>
+          <a:chExt cx="0" cy="0"/>
+        </a:xfrm>
+      </p:grpSpPr>
+      <p:sp>
+        <p:nvSpPr>
+          <p:cNvPr id="2" name="标题 1"/>
+          <p:cNvSpPr>
+            <a:spLocks noGrp="1"/>
+          </p:cNvSpPr>
+          <p:nvPr>
+            <p:ph type="title"/>
+          </p:nvPr>
+        </p:nvSpPr>
+        <p:spPr/>
+        <p:txBody>
+          <a:bodyPr>
+            <a:normAutofit fontScale="90000"/>
+          </a:bodyPr>
+          <a:lstStyle/>
+          <a:p>
+            <a:r>
+              <a:rPr lang="zh-CN" altLang="en-US" dirty="0" smtClean="0"/>
+              <a:t>行为驱动的开发</a:t>
+            </a:r>
+            <a:endParaRPr lang="zh-CN" altLang="en-US" dirty="0"/>
+          </a:p>
+        </p:txBody>
+      </p:sp>
+      <p:sp>
+        <p:nvSpPr>
+          <p:cNvPr id="3" name="内容占位符 2"/>
+          <p:cNvSpPr>
+            <a:spLocks noGrp="1"/>
+          </p:cNvSpPr>
+          <p:nvPr>
+            <p:ph idx="1"/>
+          </p:nvPr>
+        </p:nvSpPr>
+        <p:spPr/>
+        <p:txBody>
+          <a:bodyPr>
+            <a:normAutofit fontScale="92500" lnSpcReduction="20000"/>
+          </a:bodyPr>
+          <a:lstStyle/>
+          <a:p>
+            <a:r>
+              <a:rPr lang="zh-CN" altLang="en-US" dirty="0" smtClean="0"/>
+              <a:t>模式</a:t>
+            </a:r>
+            <a:endParaRPr lang="en-US" altLang="zh-CN" dirty="0" smtClean="0"/>
+          </a:p>
+          <a:p>
+            <a:pPr marL="0" indent="0">
+              <a:buNone/>
+            </a:pPr>
+            <a:r>
+              <a:rPr lang="en-US" altLang="zh-CN" dirty="0"/>
+              <a:t>/Given</a:t>
+            </a:r>
+          </a:p>
+          <a:p>
+            <a:pPr marL="0" indent="0">
+              <a:buNone/>
+            </a:pPr>
+            <a:r>
+              <a:rPr lang="en-US" altLang="zh-CN" dirty="0"/>
+              <a:t>given(</a:t>
+            </a:r>
+            <a:r>
+              <a:rPr lang="en-US" altLang="zh-CN" dirty="0" err="1"/>
+              <a:t>calcService.add</a:t>
+            </a:r>
+            <a:r>
+              <a:rPr lang="en-US" altLang="zh-CN" dirty="0"/>
+              <a:t>(20.0,10.0)).</a:t>
+            </a:r>
+            <a:r>
+              <a:rPr lang="en-US" altLang="zh-CN" dirty="0" err="1"/>
+              <a:t>willReturn</a:t>
+            </a:r>
+            <a:r>
+              <a:rPr lang="en-US" altLang="zh-CN" dirty="0"/>
+              <a:t>(30.0);</a:t>
+            </a:r>
+          </a:p>
+          <a:p>
+            <a:pPr marL="0" indent="0">
+              <a:buNone/>
+            </a:pPr>
+            <a:endParaRPr lang="en-US" altLang="zh-CN" dirty="0"/>
+          </a:p>
+          <a:p>
+            <a:pPr marL="0" indent="0">
+              <a:buNone/>
+            </a:pPr>
+            <a:r>
+              <a:rPr lang="en-US" altLang="zh-CN" dirty="0"/>
+              <a:t>//when</a:t>
+            </a:r>
+          </a:p>
+          <a:p>
+            <a:pPr marL="0" indent="0">
+              <a:buNone/>
+            </a:pPr>
+            <a:r>
+              <a:rPr lang="en-US" altLang="zh-CN" dirty="0"/>
+              <a:t>double result = </a:t>
+            </a:r>
+            <a:r>
+              <a:rPr lang="en-US" altLang="zh-CN" dirty="0" err="1"/>
+              <a:t>calcService.add</a:t>
+            </a:r>
+            <a:r>
+              <a:rPr lang="en-US" altLang="zh-CN" dirty="0"/>
+              <a:t>(20.0,10.0);</a:t>
+            </a:r>
+          </a:p>
+          <a:p>
+            <a:pPr marL="0" indent="0">
+              <a:buNone/>
+            </a:pPr>
+            <a:endParaRPr lang="en-US" altLang="zh-CN" dirty="0"/>
+          </a:p>
+          <a:p>
+            <a:pPr marL="0" indent="0">
+              <a:buNone/>
+            </a:pPr>
+            <a:r>
+              <a:rPr lang="en-US" altLang="zh-CN" dirty="0"/>
+              <a:t>//then</a:t>
+            </a:r>
+          </a:p>
+          <a:p>
+            <a:pPr marL="0" indent="0">
+              <a:buNone/>
+            </a:pPr>
+            <a:r>
+              <a:rPr lang="en-US" altLang="zh-CN" dirty="0" err="1"/>
+              <a:t>Assert.assertEquals</a:t>
+            </a:r>
+            <a:r>
+              <a:rPr lang="en-US" altLang="zh-CN" dirty="0"/>
+              <a:t>(result,30.0,0);</a:t>
+            </a:r>
+            <a:endParaRPr lang="zh-CN" altLang="en-US" dirty="0"/>
+          </a:p>
+        </p:txBody>
+      </p:sp>
+    </p:spTree>
+    <p:extLst>
+      <p:ext uri="{BB962C8B-B14F-4D97-AF65-F5344CB8AC3E}">
+        <p14:creationId xmlns:p14="http://schemas.microsoft.com/office/powerpoint/2010/main" val="1764885469"/>
+      </p:ext>
+    </p:extLst>
+  </p:cSld>
+  <p:clrMapOvr>
+    <a:masterClrMapping/>
+  </p:clrMapOvr>
+  <p:timing>
+    <p:tnLst>
+      <p:par>
+        <p:cTn id="1" dur="indefinite" restart="never" nodeType="tmRoot"/>
+      </p:par>
+    </p:tnLst>
+  </p:timing>
+</p:sld>
+</file>
+
+<file path=ppt/slides/slide18.xml><?xml version="1.0" encoding="utf-8"?>
+<p:sld xmlns:a="http://schemas.openxmlformats.org/drawingml/2006/main" xmlns:r="http://schemas.openxmlformats.org/officeDocument/2006/relationships" xmlns:p="http://schemas.openxmlformats.org/presentationml/2006/main">
+  <p:cSld>
+    <p:spTree>
+      <p:nvGrpSpPr>
+        <p:cNvPr id="1" name=""/>
+        <p:cNvGrpSpPr/>
+        <p:nvPr/>
+      </p:nvGrpSpPr>
+      <p:grpSpPr>
+        <a:xfrm>
+          <a:off x="0" y="0"/>
+          <a:ext cx="0" cy="0"/>
+          <a:chOff x="0" y="0"/>
+          <a:chExt cx="0" cy="0"/>
+        </a:xfrm>
+      </p:grpSpPr>
+    </p:spTree>
+    <p:extLst>
+      <p:ext uri="{BB962C8B-B14F-4D97-AF65-F5344CB8AC3E}">
+        <p14:creationId xmlns:p14="http://schemas.microsoft.com/office/powerpoint/2010/main" val="3418871224"/>
       </p:ext>
     </p:extLst>
   </p:cSld>
@@ -39823,14 +41234,11 @@
           <a:p>
             <a:r>
               <a:rPr lang="zh-CN" altLang="en-US" dirty="0" smtClean="0"/>
-              <a:t>最早的测试框架</a:t>
+              <a:t>自动化</a:t>
             </a:r>
-            <a:endParaRPr lang="en-US" altLang="zh-CN" dirty="0" smtClean="0"/>
-          </a:p>
-          <a:p>
             <a:r>
               <a:rPr lang="zh-CN" altLang="en-US" dirty="0" smtClean="0"/>
-              <a:t>自动化测试</a:t>
+              <a:t>测试</a:t>
             </a:r>
             <a:endParaRPr lang="en-US" altLang="zh-CN" dirty="0" smtClean="0"/>
           </a:p>
@@ -39853,6 +41261,13 @@
   <p:clrMapOvr>
     <a:masterClrMapping/>
   </p:clrMapOvr>
+  <p:timing>
+    <p:tnLst>
+      <p:par>
+        <p:cTn id="1" dur="indefinite" restart="never" nodeType="tmRoot"/>
+      </p:par>
+    </p:tnLst>
+  </p:timing>
 </p:sld>
 </file>
 
@@ -40020,6 +41435,13 @@
   <p:clrMapOvr>
     <a:masterClrMapping/>
   </p:clrMapOvr>
+  <p:timing>
+    <p:tnLst>
+      <p:par>
+        <p:cTn id="1" dur="indefinite" restart="never" nodeType="tmRoot"/>
+      </p:par>
+    </p:tnLst>
+  </p:timing>
 </p:sld>
 </file>
 
@@ -40241,6 +41663,13 @@
   <p:clrMapOvr>
     <a:masterClrMapping/>
   </p:clrMapOvr>
+  <p:timing>
+    <p:tnLst>
+      <p:par>
+        <p:cTn id="1" dur="indefinite" restart="never" nodeType="tmRoot"/>
+      </p:par>
+    </p:tnLst>
+  </p:timing>
 </p:sld>
 </file>
 
@@ -40298,7 +41727,9 @@
         </p:nvSpPr>
         <p:spPr/>
         <p:txBody>
-          <a:bodyPr/>
+          <a:bodyPr>
+            <a:normAutofit fontScale="92500" lnSpcReduction="10000"/>
+          </a:bodyPr>
           <a:lstStyle/>
           <a:p>
             <a:pPr marL="0" indent="0">
@@ -40335,7 +41766,69 @@
             </a:r>
             <a:r>
               <a:rPr lang="en-US" altLang="zh-CN" dirty="0" smtClean="0"/>
-              <a:t>{ … }</a:t>
+              <a:t>{ … </a:t>
+            </a:r>
+            <a:r>
+              <a:rPr lang="en-US" altLang="zh-CN" dirty="0" smtClean="0"/>
+              <a:t>}</a:t>
+            </a:r>
+          </a:p>
+          <a:p>
+            <a:pPr marL="0" indent="0">
+              <a:buNone/>
+            </a:pPr>
+            <a:endParaRPr lang="en-US" altLang="zh-CN" dirty="0"/>
+          </a:p>
+          <a:p>
+            <a:pPr marL="0" indent="0">
+              <a:buNone/>
+            </a:pPr>
+            <a:r>
+              <a:rPr lang="en-US" altLang="zh-CN" dirty="0"/>
+              <a:t>@Test(expected = </a:t>
+            </a:r>
+            <a:r>
+              <a:rPr lang="en-US" altLang="zh-CN" dirty="0" err="1"/>
+              <a:t>MyException.class</a:t>
+            </a:r>
+            <a:r>
+              <a:rPr lang="en-US" altLang="zh-CN" dirty="0"/>
+              <a:t>)</a:t>
+            </a:r>
+          </a:p>
+          <a:p>
+            <a:pPr marL="0" indent="0">
+              <a:buNone/>
+            </a:pPr>
+            <a:r>
+              <a:rPr lang="en-US" altLang="zh-CN" dirty="0"/>
+              <a:t>public void testMethod2() throws </a:t>
+            </a:r>
+            <a:r>
+              <a:rPr lang="en-US" altLang="zh-CN" dirty="0" err="1"/>
+              <a:t>MyException</a:t>
+            </a:r>
+            <a:r>
+              <a:rPr lang="en-US" altLang="zh-CN" dirty="0"/>
+              <a:t> {</a:t>
+            </a:r>
+          </a:p>
+          <a:p>
+            <a:pPr marL="0" indent="0">
+              <a:buNone/>
+            </a:pPr>
+            <a:r>
+              <a:rPr lang="en-US" altLang="zh-CN" dirty="0"/>
+              <a:t>    u.method2(9);</a:t>
+            </a:r>
+          </a:p>
+          <a:p>
+            <a:pPr marL="0" indent="0">
+              <a:buNone/>
+            </a:pPr>
+            <a:r>
+              <a:rPr lang="en-US" altLang="zh-CN" dirty="0"/>
+              <a:t>}</a:t>
             </a:r>
             <a:endParaRPr lang="zh-CN" altLang="en-US" dirty="0"/>
           </a:p>
@@ -40351,6 +41844,13 @@
   <p:clrMapOvr>
     <a:masterClrMapping/>
   </p:clrMapOvr>
+  <p:timing>
+    <p:tnLst>
+      <p:par>
+        <p:cTn id="1" dur="indefinite" restart="never" nodeType="tmRoot"/>
+      </p:par>
+    </p:tnLst>
+  </p:timing>
 </p:sld>
 </file>
 
@@ -40494,6 +41994,120 @@
 </file>
 
 <file path=ppt/slides/slide7.xml><?xml version="1.0" encoding="utf-8"?>
+<p:sld xmlns:a="http://schemas.openxmlformats.org/drawingml/2006/main" xmlns:r="http://schemas.openxmlformats.org/officeDocument/2006/relationships" xmlns:p="http://schemas.openxmlformats.org/presentationml/2006/main">
+  <p:cSld>
+    <p:spTree>
+      <p:nvGrpSpPr>
+        <p:cNvPr id="1" name=""/>
+        <p:cNvGrpSpPr/>
+        <p:nvPr/>
+      </p:nvGrpSpPr>
+      <p:grpSpPr>
+        <a:xfrm>
+          <a:off x="0" y="0"/>
+          <a:ext cx="0" cy="0"/>
+          <a:chOff x="0" y="0"/>
+          <a:chExt cx="0" cy="0"/>
+        </a:xfrm>
+      </p:grpSpPr>
+      <p:sp>
+        <p:nvSpPr>
+          <p:cNvPr id="2" name="标题 1"/>
+          <p:cNvSpPr>
+            <a:spLocks noGrp="1"/>
+          </p:cNvSpPr>
+          <p:nvPr>
+            <p:ph type="title"/>
+          </p:nvPr>
+        </p:nvSpPr>
+        <p:spPr/>
+        <p:txBody>
+          <a:bodyPr>
+            <a:normAutofit fontScale="90000"/>
+          </a:bodyPr>
+          <a:lstStyle/>
+          <a:p>
+            <a:r>
+              <a:rPr lang="zh-CN" altLang="en-US" dirty="0" smtClean="0"/>
+              <a:t>参数化的测试：</a:t>
+            </a:r>
+            <a:r>
+              <a:rPr lang="en-US" altLang="zh-CN" b="1" dirty="0">
+                <a:effectLst/>
+              </a:rPr>
+              <a:t>@Parameters</a:t>
+            </a:r>
+            <a:endParaRPr lang="zh-CN" altLang="en-US" dirty="0"/>
+          </a:p>
+        </p:txBody>
+      </p:sp>
+      <p:sp>
+        <p:nvSpPr>
+          <p:cNvPr id="3" name="内容占位符 2"/>
+          <p:cNvSpPr>
+            <a:spLocks noGrp="1"/>
+          </p:cNvSpPr>
+          <p:nvPr>
+            <p:ph idx="1"/>
+          </p:nvPr>
+        </p:nvSpPr>
+        <p:spPr/>
+        <p:txBody>
+          <a:bodyPr/>
+          <a:lstStyle/>
+          <a:p>
+            <a:r>
+              <a:rPr lang="zh-CN" altLang="en-US" dirty="0" smtClean="0"/>
+              <a:t>使用不同的数据集反复测试一个方法</a:t>
+            </a:r>
+            <a:endParaRPr lang="en-US" altLang="zh-CN" dirty="0" smtClean="0"/>
+          </a:p>
+          <a:p>
+            <a:r>
+              <a:rPr lang="en-US" altLang="zh-CN" dirty="0"/>
+              <a:t>@</a:t>
+            </a:r>
+            <a:r>
+              <a:rPr lang="en-US" altLang="zh-CN" dirty="0" smtClean="0"/>
+              <a:t>Parameter(index)</a:t>
+            </a:r>
+          </a:p>
+          <a:p>
+            <a:r>
+              <a:rPr lang="zh-CN" altLang="en-US" dirty="0" smtClean="0"/>
+              <a:t>构造函数</a:t>
+            </a:r>
+            <a:endParaRPr lang="en-US" altLang="zh-CN" dirty="0" smtClean="0"/>
+          </a:p>
+          <a:p>
+            <a:pPr marL="0" indent="0">
+              <a:buNone/>
+            </a:pPr>
+            <a:endParaRPr lang="zh-CN" altLang="en-US" dirty="0"/>
+          </a:p>
+        </p:txBody>
+      </p:sp>
+    </p:spTree>
+    <p:extLst>
+      <p:ext uri="{BB962C8B-B14F-4D97-AF65-F5344CB8AC3E}">
+        <p14:creationId xmlns:p14="http://schemas.microsoft.com/office/powerpoint/2010/main" val="3796611000"/>
+      </p:ext>
+    </p:extLst>
+  </p:cSld>
+  <p:clrMapOvr>
+    <a:masterClrMapping/>
+  </p:clrMapOvr>
+  <p:timing>
+    <p:tnLst>
+      <p:par>
+        <p:cTn id="1" dur="indefinite" restart="never" nodeType="tmRoot"/>
+      </p:par>
+    </p:tnLst>
+  </p:timing>
+</p:sld>
+</file>
+
+<file path=ppt/slides/slide8.xml><?xml version="1.0" encoding="utf-8"?>
 <p:sld xmlns:a="http://schemas.openxmlformats.org/drawingml/2006/main" xmlns:r="http://schemas.openxmlformats.org/officeDocument/2006/relationships" xmlns:p="http://schemas.openxmlformats.org/presentationml/2006/main">
   <p:cSld>
     <p:spTree>
@@ -40732,7 +42346,7 @@
 </p:sld>
 </file>
 
-<file path=ppt/slides/slide8.xml><?xml version="1.0" encoding="utf-8"?>
+<file path=ppt/slides/slide9.xml><?xml version="1.0" encoding="utf-8"?>
 <p:sld xmlns:a="http://schemas.openxmlformats.org/drawingml/2006/main" xmlns:r="http://schemas.openxmlformats.org/officeDocument/2006/relationships" xmlns:p="http://schemas.openxmlformats.org/presentationml/2006/main">
   <p:cSld>
     <p:spTree>
@@ -40749,10 +42363,212 @@
           <a:chExt cx="0" cy="0"/>
         </a:xfrm>
       </p:grpSpPr>
+      <p:sp>
+        <p:nvSpPr>
+          <p:cNvPr id="2" name="标题 1"/>
+          <p:cNvSpPr>
+            <a:spLocks noGrp="1"/>
+          </p:cNvSpPr>
+          <p:nvPr>
+            <p:ph type="title"/>
+          </p:nvPr>
+        </p:nvSpPr>
+        <p:spPr/>
+        <p:txBody>
+          <a:bodyPr>
+            <a:normAutofit fontScale="90000"/>
+          </a:bodyPr>
+          <a:lstStyle/>
+          <a:p>
+            <a:r>
+              <a:rPr lang="en-US" altLang="zh-CN" dirty="0">
+                <a:effectLst/>
+              </a:rPr>
+              <a:t> Mock </a:t>
+            </a:r>
+            <a:r>
+              <a:rPr lang="zh-CN" altLang="en-US" dirty="0" smtClean="0">
+                <a:effectLst/>
+              </a:rPr>
+              <a:t>测试</a:t>
+            </a:r>
+            <a:endParaRPr lang="zh-CN" altLang="en-US" dirty="0"/>
+          </a:p>
+        </p:txBody>
+      </p:sp>
+      <p:sp>
+        <p:nvSpPr>
+          <p:cNvPr id="3" name="内容占位符 2"/>
+          <p:cNvSpPr>
+            <a:spLocks noGrp="1"/>
+          </p:cNvSpPr>
+          <p:nvPr>
+            <p:ph idx="1"/>
+          </p:nvPr>
+        </p:nvSpPr>
+        <p:spPr/>
+        <p:txBody>
+          <a:bodyPr/>
+          <a:lstStyle/>
+          <a:p>
+            <a:r>
+              <a:rPr lang="zh-CN" altLang="en-US" dirty="0" smtClean="0"/>
+              <a:t>用虚拟</a:t>
+            </a:r>
+            <a:r>
+              <a:rPr lang="zh-CN" altLang="en-US" dirty="0"/>
+              <a:t>的对象（</a:t>
+            </a:r>
+            <a:r>
+              <a:rPr lang="en-US" altLang="zh-CN" dirty="0"/>
+              <a:t>Mock </a:t>
+            </a:r>
+            <a:r>
+              <a:rPr lang="zh-CN" altLang="en-US" dirty="0"/>
+              <a:t>对象</a:t>
+            </a:r>
+            <a:r>
+              <a:rPr lang="zh-CN" altLang="en-US" dirty="0" smtClean="0"/>
+              <a:t>）来模拟被测试对象所依赖的对象 </a:t>
+            </a:r>
+            <a:r>
+              <a:rPr lang="en-US" altLang="zh-CN" dirty="0" smtClean="0"/>
+              <a:t>– </a:t>
+            </a:r>
+            <a:r>
+              <a:rPr lang="zh-CN" altLang="en-US" dirty="0" smtClean="0"/>
+              <a:t>解耦合</a:t>
+            </a:r>
+            <a:endParaRPr lang="zh-CN" altLang="en-US" dirty="0"/>
+          </a:p>
+        </p:txBody>
+      </p:sp>
+      <p:pic>
+        <p:nvPicPr>
+          <p:cNvPr id="1026" name="Picture 2" descr="https://media.techtarget.com/tss/static/articles/content/JMockTestDrivenDev/images/image004.jpg"/>
+          <p:cNvPicPr>
+            <a:picLocks noChangeAspect="1" noChangeArrowheads="1"/>
+          </p:cNvPicPr>
+          <p:nvPr/>
+        </p:nvPicPr>
+        <p:blipFill>
+          <a:blip r:embed="rId2">
+            <a:extLst>
+              <a:ext uri="{28A0092B-C50C-407E-A947-70E740481C1C}">
+                <a14:useLocalDpi xmlns:a14="http://schemas.microsoft.com/office/drawing/2010/main" val="0"/>
+              </a:ext>
+            </a:extLst>
+          </a:blip>
+          <a:srcRect/>
+          <a:stretch>
+            <a:fillRect/>
+          </a:stretch>
+        </p:blipFill>
+        <p:spPr bwMode="auto">
+          <a:xfrm>
+            <a:off x="755576" y="3267274"/>
+            <a:ext cx="3533775" cy="2152650"/>
+          </a:xfrm>
+          <a:prstGeom prst="rect">
+            <a:avLst/>
+          </a:prstGeom>
+          <a:noFill/>
+          <a:extLst>
+            <a:ext uri="{909E8E84-426E-40DD-AFC4-6F175D3DCCD1}">
+              <a14:hiddenFill xmlns:a14="http://schemas.microsoft.com/office/drawing/2010/main">
+                <a:solidFill>
+                  <a:srgbClr val="FFFFFF"/>
+                </a:solidFill>
+              </a14:hiddenFill>
+            </a:ext>
+          </a:extLst>
+        </p:spPr>
+      </p:pic>
+      <p:pic>
+        <p:nvPicPr>
+          <p:cNvPr id="1028" name="Picture 4" descr="https://media.techtarget.com/tss/static/articles/content/JMockTestDrivenDev/images/image010.jpg"/>
+          <p:cNvPicPr>
+            <a:picLocks noChangeAspect="1" noChangeArrowheads="1"/>
+          </p:cNvPicPr>
+          <p:nvPr/>
+        </p:nvPicPr>
+        <p:blipFill>
+          <a:blip r:embed="rId3">
+            <a:extLst>
+              <a:ext uri="{28A0092B-C50C-407E-A947-70E740481C1C}">
+                <a14:useLocalDpi xmlns:a14="http://schemas.microsoft.com/office/drawing/2010/main" val="0"/>
+              </a:ext>
+            </a:extLst>
+          </a:blip>
+          <a:srcRect/>
+          <a:stretch>
+            <a:fillRect/>
+          </a:stretch>
+        </p:blipFill>
+        <p:spPr bwMode="auto">
+          <a:xfrm>
+            <a:off x="6012160" y="3267274"/>
+            <a:ext cx="2209800" cy="2152650"/>
+          </a:xfrm>
+          <a:prstGeom prst="rect">
+            <a:avLst/>
+          </a:prstGeom>
+          <a:noFill/>
+          <a:extLst>
+            <a:ext uri="{909E8E84-426E-40DD-AFC4-6F175D3DCCD1}">
+              <a14:hiddenFill xmlns:a14="http://schemas.microsoft.com/office/drawing/2010/main">
+                <a:solidFill>
+                  <a:srgbClr val="FFFFFF"/>
+                </a:solidFill>
+              </a14:hiddenFill>
+            </a:ext>
+          </a:extLst>
+        </p:spPr>
+      </p:pic>
+      <p:sp>
+        <p:nvSpPr>
+          <p:cNvPr id="4" name="右箭头 3"/>
+          <p:cNvSpPr/>
+          <p:nvPr/>
+        </p:nvSpPr>
+        <p:spPr>
+          <a:xfrm>
+            <a:off x="4572000" y="4188132"/>
+            <a:ext cx="1080120" cy="288032"/>
+          </a:xfrm>
+          <a:prstGeom prst="rightArrow">
+            <a:avLst/>
+          </a:prstGeom>
+        </p:spPr>
+        <p:style>
+          <a:lnRef idx="2">
+            <a:schemeClr val="accent1">
+              <a:shade val="50000"/>
+            </a:schemeClr>
+          </a:lnRef>
+          <a:fillRef idx="1">
+            <a:schemeClr val="accent1"/>
+          </a:fillRef>
+          <a:effectRef idx="0">
+            <a:schemeClr val="accent1"/>
+          </a:effectRef>
+          <a:fontRef idx="minor">
+            <a:schemeClr val="lt1"/>
+          </a:fontRef>
+        </p:style>
+        <p:txBody>
+          <a:bodyPr rtlCol="0" anchor="ctr"/>
+          <a:lstStyle/>
+          <a:p>
+            <a:pPr algn="ctr"/>
+            <a:endParaRPr lang="zh-CN" altLang="en-US"/>
+          </a:p>
+        </p:txBody>
+      </p:sp>
     </p:spTree>
     <p:extLst>
       <p:ext uri="{BB962C8B-B14F-4D97-AF65-F5344CB8AC3E}">
-        <p14:creationId xmlns:p14="http://schemas.microsoft.com/office/powerpoint/2010/main" val="3418871224"/>
+        <p14:creationId xmlns:p14="http://schemas.microsoft.com/office/powerpoint/2010/main" val="1559614833"/>
       </p:ext>
     </p:extLst>
   </p:cSld>
